--- a/New Microsoft PowerPoint Presentation.pptx
+++ b/New Microsoft PowerPoint Presentation.pptx
@@ -260,7 +260,7 @@
           <a:p>
             <a:fld id="{34C48950-CF1D-4C8D-98E5-9403B8D61870}" type="datetimeFigureOut">
               <a:rPr lang="en-US" smtClean="0"/>
-              <a:t>3/24/2023</a:t>
+              <a:t>3/28/2023</a:t>
             </a:fld>
             <a:endParaRPr lang="en-US"/>
           </a:p>
@@ -458,7 +458,7 @@
           <a:p>
             <a:fld id="{34C48950-CF1D-4C8D-98E5-9403B8D61870}" type="datetimeFigureOut">
               <a:rPr lang="en-US" smtClean="0"/>
-              <a:t>3/24/2023</a:t>
+              <a:t>3/28/2023</a:t>
             </a:fld>
             <a:endParaRPr lang="en-US"/>
           </a:p>
@@ -666,7 +666,7 @@
           <a:p>
             <a:fld id="{34C48950-CF1D-4C8D-98E5-9403B8D61870}" type="datetimeFigureOut">
               <a:rPr lang="en-US" smtClean="0"/>
-              <a:t>3/24/2023</a:t>
+              <a:t>3/28/2023</a:t>
             </a:fld>
             <a:endParaRPr lang="en-US"/>
           </a:p>
@@ -864,7 +864,7 @@
           <a:p>
             <a:fld id="{34C48950-CF1D-4C8D-98E5-9403B8D61870}" type="datetimeFigureOut">
               <a:rPr lang="en-US" smtClean="0"/>
-              <a:t>3/24/2023</a:t>
+              <a:t>3/28/2023</a:t>
             </a:fld>
             <a:endParaRPr lang="en-US"/>
           </a:p>
@@ -1139,7 +1139,7 @@
           <a:p>
             <a:fld id="{34C48950-CF1D-4C8D-98E5-9403B8D61870}" type="datetimeFigureOut">
               <a:rPr lang="en-US" smtClean="0"/>
-              <a:t>3/24/2023</a:t>
+              <a:t>3/28/2023</a:t>
             </a:fld>
             <a:endParaRPr lang="en-US"/>
           </a:p>
@@ -1404,7 +1404,7 @@
           <a:p>
             <a:fld id="{34C48950-CF1D-4C8D-98E5-9403B8D61870}" type="datetimeFigureOut">
               <a:rPr lang="en-US" smtClean="0"/>
-              <a:t>3/24/2023</a:t>
+              <a:t>3/28/2023</a:t>
             </a:fld>
             <a:endParaRPr lang="en-US"/>
           </a:p>
@@ -1816,7 +1816,7 @@
           <a:p>
             <a:fld id="{34C48950-CF1D-4C8D-98E5-9403B8D61870}" type="datetimeFigureOut">
               <a:rPr lang="en-US" smtClean="0"/>
-              <a:t>3/24/2023</a:t>
+              <a:t>3/28/2023</a:t>
             </a:fld>
             <a:endParaRPr lang="en-US"/>
           </a:p>
@@ -1957,7 +1957,7 @@
           <a:p>
             <a:fld id="{34C48950-CF1D-4C8D-98E5-9403B8D61870}" type="datetimeFigureOut">
               <a:rPr lang="en-US" smtClean="0"/>
-              <a:t>3/24/2023</a:t>
+              <a:t>3/28/2023</a:t>
             </a:fld>
             <a:endParaRPr lang="en-US"/>
           </a:p>
@@ -2070,7 +2070,7 @@
           <a:p>
             <a:fld id="{34C48950-CF1D-4C8D-98E5-9403B8D61870}" type="datetimeFigureOut">
               <a:rPr lang="en-US" smtClean="0"/>
-              <a:t>3/24/2023</a:t>
+              <a:t>3/28/2023</a:t>
             </a:fld>
             <a:endParaRPr lang="en-US"/>
           </a:p>
@@ -2381,7 +2381,7 @@
           <a:p>
             <a:fld id="{34C48950-CF1D-4C8D-98E5-9403B8D61870}" type="datetimeFigureOut">
               <a:rPr lang="en-US" smtClean="0"/>
-              <a:t>3/24/2023</a:t>
+              <a:t>3/28/2023</a:t>
             </a:fld>
             <a:endParaRPr lang="en-US"/>
           </a:p>
@@ -2669,7 +2669,7 @@
           <a:p>
             <a:fld id="{34C48950-CF1D-4C8D-98E5-9403B8D61870}" type="datetimeFigureOut">
               <a:rPr lang="en-US" smtClean="0"/>
-              <a:t>3/24/2023</a:t>
+              <a:t>3/28/2023</a:t>
             </a:fld>
             <a:endParaRPr lang="en-US"/>
           </a:p>
@@ -2910,7 +2910,7 @@
           <a:p>
             <a:fld id="{34C48950-CF1D-4C8D-98E5-9403B8D61870}" type="datetimeFigureOut">
               <a:rPr lang="en-US" smtClean="0"/>
-              <a:t>3/24/2023</a:t>
+              <a:t>3/28/2023</a:t>
             </a:fld>
             <a:endParaRPr lang="en-US"/>
           </a:p>
@@ -3383,12 +3383,19 @@
             <p:ph idx="1"/>
           </p:nvPr>
         </p:nvSpPr>
-        <p:spPr/>
-        <p:txBody>
-          <a:bodyPr/>
-          <a:lstStyle/>
-          <a:p>
-            <a:endParaRPr lang="en-US"/>
+        <p:spPr>
+          <a:xfrm>
+            <a:off x="5183188" y="5673213"/>
+            <a:ext cx="6172200" cy="187837"/>
+          </a:xfrm>
+        </p:spPr>
+        <p:txBody>
+          <a:bodyPr>
+            <a:normAutofit fontScale="25000" lnSpcReduction="20000"/>
+          </a:bodyPr>
+          <a:lstStyle/>
+          <a:p>
+            <a:endParaRPr lang="en-US" dirty="0"/>
           </a:p>
         </p:txBody>
       </p:sp>
@@ -3408,12 +3415,19 @@
             <p:ph type="body" sz="half" idx="2"/>
           </p:nvPr>
         </p:nvSpPr>
-        <p:spPr/>
-        <p:txBody>
-          <a:bodyPr/>
-          <a:lstStyle/>
-          <a:p>
-            <a:endParaRPr lang="en-US"/>
+        <p:spPr>
+          <a:xfrm flipH="1">
+            <a:off x="145140" y="3876368"/>
+            <a:ext cx="45719" cy="302342"/>
+          </a:xfrm>
+        </p:spPr>
+        <p:txBody>
+          <a:bodyPr>
+            <a:normAutofit lnSpcReduction="10000"/>
+          </a:bodyPr>
+          <a:lstStyle/>
+          <a:p>
+            <a:endParaRPr lang="en-US" dirty="0"/>
           </a:p>
         </p:txBody>
       </p:sp>
@@ -3430,9 +3444,9 @@
           <p:nvPr/>
         </p:nvSpPr>
         <p:spPr>
-          <a:xfrm>
-            <a:off x="2893142" y="3108293"/>
-            <a:ext cx="6199238" cy="646331"/>
+          <a:xfrm flipH="1" flipV="1">
+            <a:off x="9193162" y="1404714"/>
+            <a:ext cx="90948" cy="15050274"/>
           </a:xfrm>
           <a:prstGeom prst="rect">
             <a:avLst/>
